--- a/rheinmainjs.pptx
+++ b/rheinmainjs.pptx
@@ -223,7 +223,7 @@
           <a:p>
             <a:fld id="{963854BB-5908-0843-BA41-B7E7E599A04D}" type="datetimeFigureOut">
               <a:rPr lang="de-DE" smtClean="0"/>
-              <a:t>04.05.19</a:t>
+              <a:t>07.05.19</a:t>
             </a:fld>
             <a:endParaRPr lang="de-DE"/>
           </a:p>
@@ -1151,7 +1151,7 @@
           <a:p>
             <a:fld id="{C764DE79-268F-4C1A-8933-263129D2AF90}" type="datetimeFigureOut">
               <a:rPr lang="en-US" dirty="0"/>
-              <a:t>5/4/19</a:t>
+              <a:t>5/7/19</a:t>
             </a:fld>
             <a:endParaRPr lang="en-US" dirty="0"/>
           </a:p>
@@ -1962,7 +1962,7 @@
               <a:t>Hooks und </a:t>
             </a:r>
             <a:r>
-              <a:rPr lang="de-DE" sz="3200" b="1" dirty="0" err="1">
+              <a:rPr lang="de-DE" sz="3200" b="1">
                 <a:solidFill>
                   <a:srgbClr val="EF7D1D"/>
                 </a:solidFill>
@@ -1970,7 +1970,7 @@
                 <a:ea typeface="Montserrat" charset="0"/>
                 <a:cs typeface="Montserrat" charset="0"/>
               </a:rPr>
-              <a:t>Suspsense</a:t>
+              <a:t>Suspense</a:t>
             </a:r>
             <a:endParaRPr lang="de-DE" sz="3200" b="1" dirty="0">
               <a:solidFill>
